--- a/description.pptx
+++ b/description.pptx
@@ -7,8 +7,10 @@
   <p:sldIdLst>
     <p:sldId id="256" r:id="rId2"/>
     <p:sldId id="257" r:id="rId3"/>
-    <p:sldId id="258" r:id="rId4"/>
-    <p:sldId id="259" r:id="rId5"/>
+    <p:sldId id="261" r:id="rId4"/>
+    <p:sldId id="258" r:id="rId5"/>
+    <p:sldId id="259" r:id="rId6"/>
+    <p:sldId id="260" r:id="rId7"/>
   </p:sldIdLst>
   <p:sldSz cx="9144000" cy="6858000" type="screen4x3"/>
   <p:notesSz cx="6858000" cy="9144000"/>
@@ -107,6 +109,11 @@
       </a:defRPr>
     </a:lvl9pPr>
   </p:defaultTextStyle>
+  <p:extLst>
+    <p:ext uri="{EFAFB233-063F-42B5-8137-9DF3F51BA10A}">
+      <p15:sldGuideLst xmlns:p15="http://schemas.microsoft.com/office/powerpoint/2012/main"/>
+    </p:ext>
+  </p:extLst>
 </p:presentation>
 </file>
 
@@ -3683,7 +3690,7 @@
           <p:cNvPr id="2" name="タイトル 1">
             <a:extLst>
               <a:ext uri="{FF2B5EF4-FFF2-40B4-BE49-F238E27FC236}">
-                <a16:creationId xmlns:a16="http://schemas.microsoft.com/office/drawing/2014/main" id="{82CE71A0-4D30-9C73-9CA6-25657FA9D001}"/>
+                <a16:creationId xmlns:a16="http://schemas.microsoft.com/office/drawing/2014/main" id="{53245E85-A1E3-126C-30E6-159A22BC9E9B}"/>
               </a:ext>
             </a:extLst>
           </p:cNvPr>
@@ -3694,27 +3701,15 @@
             <p:ph type="title"/>
           </p:nvPr>
         </p:nvSpPr>
-        <p:spPr>
-          <a:xfrm>
-            <a:off x="628650" y="365126"/>
-            <a:ext cx="7886700" cy="451997"/>
-          </a:xfrm>
-        </p:spPr>
-        <p:txBody>
-          <a:bodyPr>
-            <a:normAutofit fontScale="90000"/>
-          </a:bodyPr>
+        <p:spPr/>
+        <p:txBody>
+          <a:bodyPr/>
           <a:lstStyle/>
           <a:p>
             <a:r>
               <a:rPr kumimoji="1" lang="ja-JP" altLang="en-US"/>
-              <a:t>サブコマンド</a:t>
-            </a:r>
-            <a:r>
-              <a:rPr kumimoji="1" lang="en-US" altLang="ja-JP" dirty="0"/>
-              <a:t>: </a:t>
-            </a:r>
-            <a:endParaRPr kumimoji="1" lang="ja-JP" altLang="en-US"/>
+              <a:t>インストール</a:t>
+            </a:r>
           </a:p>
         </p:txBody>
       </p:sp>
@@ -3723,7 +3718,7 @@
           <p:cNvPr id="3" name="コンテンツ プレースホルダー 2">
             <a:extLst>
               <a:ext uri="{FF2B5EF4-FFF2-40B4-BE49-F238E27FC236}">
-                <a16:creationId xmlns:a16="http://schemas.microsoft.com/office/drawing/2014/main" id="{1AA23DDD-77DB-C337-6C1C-8D5CF195AB39}"/>
+                <a16:creationId xmlns:a16="http://schemas.microsoft.com/office/drawing/2014/main" id="{960B7FC9-8F6F-DA3F-08E3-D58607A9972F}"/>
               </a:ext>
             </a:extLst>
           </p:cNvPr>
@@ -3734,314 +3729,122 @@
             <p:ph idx="1"/>
           </p:nvPr>
         </p:nvSpPr>
-        <p:spPr>
-          <a:xfrm>
-            <a:off x="628650" y="1021404"/>
-            <a:ext cx="7886700" cy="5155559"/>
-          </a:xfrm>
-        </p:spPr>
-        <p:txBody>
-          <a:bodyPr>
-            <a:normAutofit fontScale="92500" lnSpcReduction="20000"/>
-          </a:bodyPr>
-          <a:lstStyle/>
-          <a:p>
-            <a:pPr marL="514350" indent="-514350">
-              <a:buFont typeface="+mj-lt"/>
-              <a:buAutoNum type="arabicPeriod"/>
-            </a:pPr>
+        <p:spPr/>
+        <p:txBody>
+          <a:bodyPr/>
+          <a:lstStyle/>
+          <a:p>
+            <a:r>
+              <a:rPr kumimoji="1" lang="en-US" altLang="ja-JP" dirty="0" err="1"/>
+              <a:t>cpanm</a:t>
+            </a:r>
+            <a:r>
+              <a:rPr kumimoji="1" lang="en-US" altLang="ja-JP" dirty="0"/>
+              <a:t> App::</a:t>
+            </a:r>
+            <a:r>
+              <a:rPr kumimoji="1" lang="en-US" altLang="ja-JP" dirty="0" err="1"/>
+              <a:t>ggdrv</a:t>
+            </a:r>
+            <a:endParaRPr kumimoji="1" lang="en-US" altLang="ja-JP" dirty="0"/>
+          </a:p>
+          <a:p>
+            <a:r>
+              <a:rPr lang="ja-JP" altLang="en-US"/>
+              <a:t>元に戻す</a:t>
+            </a:r>
+            <a:r>
+              <a:rPr lang="en-US" altLang="ja-JP" sz="1600" dirty="0"/>
+              <a:t>(</a:t>
+            </a:r>
+            <a:r>
+              <a:rPr lang="ja-JP" altLang="en-US" sz="1600"/>
+              <a:t>アンインストール</a:t>
+            </a:r>
+            <a:r>
+              <a:rPr lang="en-US" altLang="ja-JP" sz="1600" dirty="0"/>
+              <a:t>)</a:t>
+            </a:r>
+            <a:r>
+              <a:rPr lang="ja-JP" altLang="en-US"/>
+              <a:t>には </a:t>
+            </a:r>
+            <a:r>
+              <a:rPr lang="en-US" altLang="ja-JP" dirty="0" err="1"/>
+              <a:t>cpanm</a:t>
+            </a:r>
+            <a:r>
+              <a:rPr lang="en-US" altLang="ja-JP" dirty="0"/>
+              <a:t> -U App::</a:t>
+            </a:r>
+            <a:r>
+              <a:rPr lang="en-US" altLang="ja-JP"/>
+              <a:t>ggdrv</a:t>
+            </a:r>
+            <a:endParaRPr lang="en-US" altLang="ja-JP" dirty="0"/>
+          </a:p>
+          <a:p>
+            <a:endParaRPr kumimoji="1" lang="en-US" altLang="ja-JP" dirty="0"/>
+          </a:p>
+          <a:p>
             <a:r>
               <a:rPr kumimoji="1" lang="ja-JP" altLang="en-US"/>
-              <a:t>サブコマンド無し</a:t>
-            </a:r>
+              <a:t>下記のインストールも必要に応じて。</a:t>
+            </a:r>
+            <a:endParaRPr kumimoji="1" lang="en-US" altLang="ja-JP" dirty="0"/>
+          </a:p>
+          <a:p>
+            <a:pPr lvl="1"/>
+            <a:r>
+              <a:rPr kumimoji="1" lang="en-US" altLang="ja-JP" dirty="0"/>
+              <a:t>Net::Google::OAuth</a:t>
+            </a:r>
+          </a:p>
+          <a:p>
+            <a:pPr lvl="2"/>
             <a:r>
               <a:rPr lang="en-US" altLang="ja-JP" dirty="0"/>
-              <a:t>: </a:t>
-            </a:r>
-            <a:r>
-              <a:rPr lang="ja-JP" altLang="en-US"/>
-              <a:t>最初の使い方を表示。</a:t>
-            </a:r>
-            <a:endParaRPr lang="en-US" altLang="ja-JP" dirty="0"/>
-          </a:p>
-          <a:p>
-            <a:pPr marL="514350" indent="-514350">
-              <a:buFont typeface="+mj-lt"/>
-              <a:buAutoNum type="arabicPeriod"/>
-            </a:pPr>
+              <a:t>App::</a:t>
+            </a:r>
+            <a:r>
+              <a:rPr lang="en-US" altLang="ja-JP" dirty="0" err="1"/>
+              <a:t>ggdrv</a:t>
+            </a:r>
+            <a:r>
+              <a:rPr lang="en-US" altLang="ja-JP" dirty="0"/>
+              <a:t>::tokens</a:t>
+            </a:r>
+            <a:r>
+              <a:rPr lang="ja-JP" altLang="en-US"/>
+              <a:t> が依存。</a:t>
+            </a:r>
+            <a:endParaRPr kumimoji="1" lang="en-US" altLang="ja-JP" dirty="0"/>
+          </a:p>
+          <a:p>
+            <a:pPr lvl="1"/>
             <a:r>
               <a:rPr kumimoji="1" lang="en-US" altLang="ja-JP" dirty="0"/>
-              <a:t>--help : </a:t>
-            </a:r>
-            <a:r>
-              <a:rPr kumimoji="1" lang="ja-JP" altLang="en-US"/>
-              <a:t>ヘルプの文面を表示。</a:t>
-            </a:r>
-            <a:endParaRPr kumimoji="1" lang="en-US" altLang="ja-JP" dirty="0"/>
-          </a:p>
-          <a:p>
-            <a:pPr marL="514350" indent="-514350">
-              <a:buFont typeface="+mj-lt"/>
-              <a:buAutoNum type="arabicPeriod"/>
-            </a:pPr>
-            <a:r>
-              <a:rPr kumimoji="1" lang="en-US" altLang="ja-JP" dirty="0" err="1"/>
-              <a:t>crecord</a:t>
-            </a:r>
-            <a:r>
-              <a:rPr kumimoji="1" lang="en-US" altLang="ja-JP" dirty="0"/>
-              <a:t> :  client ID</a:t>
-            </a:r>
-            <a:r>
-              <a:rPr kumimoji="1" lang="ja-JP" altLang="en-US"/>
-              <a:t>と</a:t>
-            </a:r>
-            <a:r>
-              <a:rPr kumimoji="1" lang="en-US" altLang="ja-JP" dirty="0"/>
-              <a:t>client secret</a:t>
-            </a:r>
-            <a:r>
-              <a:rPr kumimoji="1" lang="ja-JP" altLang="en-US"/>
-              <a:t>取得。</a:t>
-            </a:r>
-            <a:endParaRPr kumimoji="1" lang="en-US" altLang="ja-JP" dirty="0"/>
-          </a:p>
-          <a:p>
-            <a:pPr marL="514350" indent="-514350">
-              <a:buFont typeface="+mj-lt"/>
-              <a:buAutoNum type="arabicPeriod"/>
-            </a:pPr>
-            <a:r>
-              <a:rPr kumimoji="1" lang="en-US" altLang="ja-JP" dirty="0"/>
-              <a:t>tokens : </a:t>
-            </a:r>
+              <a:t>Net::Google::Drive</a:t>
+            </a:r>
+          </a:p>
+          <a:p>
+            <a:pPr lvl="2"/>
             <a:r>
               <a:rPr lang="en-US" altLang="ja-JP" dirty="0"/>
-              <a:t>refresh token</a:t>
-            </a:r>
-            <a:r>
-              <a:rPr lang="ja-JP" altLang="en-US"/>
-              <a:t>と</a:t>
+              <a:t>App::</a:t>
+            </a:r>
+            <a:r>
+              <a:rPr lang="en-US" altLang="ja-JP" dirty="0" err="1"/>
+              <a:t>ggdrv</a:t>
             </a:r>
             <a:r>
               <a:rPr lang="en-US" altLang="ja-JP" dirty="0"/>
-              <a:t>access token</a:t>
-            </a:r>
-            <a:r>
-              <a:rPr lang="ja-JP" altLang="en-US"/>
-              <a:t>取得。</a:t>
-            </a:r>
-            <a:endParaRPr lang="en-US" altLang="ja-JP" dirty="0"/>
-          </a:p>
-          <a:p>
-            <a:pPr marL="514350" indent="-514350">
-              <a:buFont typeface="+mj-lt"/>
-              <a:buAutoNum type="arabicPeriod"/>
-            </a:pPr>
-            <a:r>
-              <a:rPr kumimoji="1" lang="en-US" altLang="ja-JP" dirty="0" err="1"/>
-              <a:t>fsearch</a:t>
-            </a:r>
-            <a:r>
-              <a:rPr kumimoji="1" lang="en-US" altLang="ja-JP" dirty="0"/>
-              <a:t> : Google</a:t>
-            </a:r>
-            <a:r>
-              <a:rPr lang="en-US" altLang="ja-JP" dirty="0"/>
-              <a:t> Drive</a:t>
-            </a:r>
-            <a:r>
-              <a:rPr kumimoji="1" lang="ja-JP" altLang="en-US"/>
-              <a:t>で</a:t>
-            </a:r>
-            <a:r>
-              <a:rPr kumimoji="1" lang="en-US" altLang="ja-JP" dirty="0"/>
-              <a:t>100</a:t>
-            </a:r>
-            <a:r>
-              <a:rPr lang="ja-JP" altLang="en-US"/>
-              <a:t>個までファイル探索。</a:t>
-            </a:r>
-            <a:endParaRPr lang="en-US" altLang="ja-JP" dirty="0"/>
-          </a:p>
-          <a:p>
-            <a:pPr marL="514350" indent="-514350">
-              <a:buFont typeface="+mj-lt"/>
-              <a:buAutoNum type="arabicPeriod"/>
-            </a:pPr>
-            <a:r>
-              <a:rPr lang="en-US" altLang="ja-JP" dirty="0" err="1"/>
-              <a:t>fsearchall</a:t>
-            </a:r>
-            <a:r>
-              <a:rPr lang="en-US" altLang="ja-JP" dirty="0"/>
-              <a:t> : </a:t>
-            </a:r>
-            <a:r>
-              <a:rPr kumimoji="1" lang="en-US" altLang="ja-JP" dirty="0"/>
-              <a:t>Google</a:t>
-            </a:r>
-            <a:r>
-              <a:rPr lang="en-US" altLang="ja-JP" dirty="0"/>
-              <a:t> Drive</a:t>
-            </a:r>
-            <a:r>
-              <a:rPr lang="ja-JP" altLang="en-US"/>
-              <a:t>ファイルの全一覧の取得。</a:t>
-            </a:r>
-            <a:endParaRPr lang="en-US" altLang="ja-JP" dirty="0"/>
-          </a:p>
-          <a:p>
-            <a:pPr marL="514350" indent="-514350">
-              <a:buFont typeface="+mj-lt"/>
-              <a:buAutoNum type="arabicPeriod"/>
-            </a:pPr>
-            <a:r>
-              <a:rPr kumimoji="1" lang="en-US" altLang="ja-JP" dirty="0"/>
-              <a:t>upload : PC (=local)</a:t>
-            </a:r>
-            <a:r>
-              <a:rPr kumimoji="1" lang="ja-JP" altLang="en-US"/>
-              <a:t>のファイルを指定フォルダに。</a:t>
-            </a:r>
-            <a:endParaRPr kumimoji="1" lang="en-US" altLang="ja-JP" dirty="0"/>
-          </a:p>
-          <a:p>
-            <a:pPr marL="514350" indent="-514350">
-              <a:buFont typeface="+mj-lt"/>
-              <a:buAutoNum type="arabicPeriod"/>
-            </a:pPr>
-            <a:r>
-              <a:rPr lang="en-US" altLang="ja-JP" dirty="0"/>
-              <a:t>download : </a:t>
-            </a:r>
-            <a:r>
-              <a:rPr kumimoji="1" lang="en-US" altLang="ja-JP" dirty="0"/>
-              <a:t>Google</a:t>
-            </a:r>
-            <a:r>
-              <a:rPr lang="en-US" altLang="ja-JP" dirty="0"/>
-              <a:t> Drive</a:t>
-            </a:r>
-            <a:r>
-              <a:rPr lang="ja-JP" altLang="en-US"/>
-              <a:t>のファイルを</a:t>
-            </a:r>
-            <a:r>
-              <a:rPr lang="en-US" altLang="ja-JP" dirty="0"/>
-              <a:t>PC</a:t>
-            </a:r>
-            <a:r>
-              <a:rPr lang="ja-JP" altLang="en-US"/>
-              <a:t>に。</a:t>
-            </a:r>
-            <a:endParaRPr lang="en-US" altLang="ja-JP" dirty="0"/>
-          </a:p>
-          <a:p>
-            <a:pPr marL="514350" indent="-514350">
-              <a:buFont typeface="+mj-lt"/>
-              <a:buAutoNum type="arabicPeriod"/>
-            </a:pPr>
-            <a:r>
-              <a:rPr lang="en-US" altLang="ja-JP" dirty="0"/>
-              <a:t>update : </a:t>
-            </a:r>
-            <a:r>
-              <a:rPr lang="ja-JP" altLang="en-US"/>
-              <a:t> </a:t>
-            </a:r>
-            <a:r>
-              <a:rPr lang="en-US" altLang="ja-JP" dirty="0"/>
-              <a:t>Google Drive</a:t>
-            </a:r>
-            <a:r>
-              <a:rPr lang="ja-JP" altLang="en-US"/>
-              <a:t>のファイルを更新。</a:t>
-            </a:r>
-            <a:endParaRPr lang="en-US" altLang="ja-JP" dirty="0"/>
-          </a:p>
-          <a:p>
-            <a:pPr marL="514350" indent="-514350">
-              <a:buFont typeface="+mj-lt"/>
-              <a:buAutoNum type="arabicPeriod"/>
-            </a:pPr>
-            <a:r>
-              <a:rPr lang="en-US" altLang="ja-JP" dirty="0"/>
-              <a:t>upload5 : upload</a:t>
-            </a:r>
-            <a:r>
-              <a:rPr lang="ja-JP" altLang="en-US"/>
-              <a:t>して識別情報も取得。</a:t>
-            </a:r>
-            <a:endParaRPr lang="en-US" altLang="ja-JP" dirty="0"/>
-          </a:p>
-          <a:p>
-            <a:pPr marL="514350" indent="-514350">
-              <a:buFont typeface="+mj-lt"/>
-              <a:buAutoNum type="arabicPeriod"/>
-            </a:pPr>
-            <a:r>
-              <a:rPr lang="en-US" altLang="ja-JP" dirty="0"/>
-              <a:t>download5 : </a:t>
-            </a:r>
-            <a:r>
-              <a:rPr lang="ja-JP" altLang="en-US"/>
-              <a:t>識別情報を元に</a:t>
-            </a:r>
-            <a:r>
-              <a:rPr lang="en-US" altLang="ja-JP" dirty="0"/>
-              <a:t>download</a:t>
-            </a:r>
-            <a:r>
-              <a:rPr lang="ja-JP" altLang="en-US"/>
-              <a:t>。</a:t>
-            </a:r>
-            <a:endParaRPr lang="en-US" altLang="ja-JP" dirty="0"/>
-          </a:p>
-          <a:p>
-            <a:pPr marL="514350" indent="-514350">
-              <a:buFont typeface="+mj-lt"/>
-              <a:buAutoNum type="arabicPeriod"/>
-            </a:pPr>
-            <a:r>
-              <a:rPr lang="en-US" altLang="ja-JP" dirty="0"/>
-              <a:t>sync5 : PC</a:t>
-            </a:r>
-            <a:r>
-              <a:rPr lang="ja-JP" altLang="en-US"/>
-              <a:t>の</a:t>
-            </a:r>
-            <a:r>
-              <a:rPr lang="en-US" altLang="ja-JP" dirty="0"/>
-              <a:t>2</a:t>
-            </a:r>
-            <a:r>
-              <a:rPr lang="ja-JP" altLang="en-US"/>
-              <a:t>個の</a:t>
-            </a:r>
-            <a:r>
-              <a:rPr lang="en-US" altLang="ja-JP" dirty="0"/>
-              <a:t>folder</a:t>
-            </a:r>
-            <a:r>
-              <a:rPr lang="ja-JP" altLang="en-US"/>
-              <a:t>に違いがあれば</a:t>
-            </a:r>
-            <a:r>
-              <a:rPr lang="en-US" altLang="ja-JP" dirty="0"/>
-              <a:t>upload</a:t>
-            </a:r>
-            <a:r>
-              <a:rPr lang="ja-JP" altLang="en-US"/>
-              <a:t>。</a:t>
-            </a:r>
-            <a:endParaRPr lang="en-US" altLang="ja-JP" dirty="0"/>
-          </a:p>
-          <a:p>
-            <a:pPr marL="514350" indent="-514350">
-              <a:buFont typeface="+mj-lt"/>
-              <a:buAutoNum type="arabicPeriod"/>
-            </a:pPr>
+              <a:t>:::{fsearch,download,download5}</a:t>
+            </a:r>
+            <a:r>
+              <a:rPr lang="ja-JP" altLang="en-US"/>
+              <a:t>が依存。</a:t>
+            </a:r>
             <a:endParaRPr kumimoji="1" lang="ja-JP" altLang="en-US"/>
           </a:p>
         </p:txBody>
@@ -4049,7 +3852,7 @@
     </p:spTree>
     <p:extLst>
       <p:ext uri="{BB962C8B-B14F-4D97-AF65-F5344CB8AC3E}">
-        <p14:creationId xmlns:p14="http://schemas.microsoft.com/office/powerpoint/2010/main" val="734645888"/>
+        <p14:creationId xmlns:p14="http://schemas.microsoft.com/office/powerpoint/2010/main" val="516867219"/>
       </p:ext>
     </p:extLst>
   </p:cSld>
@@ -4081,6 +3884,404 @@
           <p:cNvPr id="2" name="タイトル 1">
             <a:extLst>
               <a:ext uri="{FF2B5EF4-FFF2-40B4-BE49-F238E27FC236}">
+                <a16:creationId xmlns:a16="http://schemas.microsoft.com/office/drawing/2014/main" id="{82CE71A0-4D30-9C73-9CA6-25657FA9D001}"/>
+              </a:ext>
+            </a:extLst>
+          </p:cNvPr>
+          <p:cNvSpPr>
+            <a:spLocks noGrp="1"/>
+          </p:cNvSpPr>
+          <p:nvPr>
+            <p:ph type="title"/>
+          </p:nvPr>
+        </p:nvSpPr>
+        <p:spPr>
+          <a:xfrm>
+            <a:off x="628650" y="365126"/>
+            <a:ext cx="7886700" cy="451997"/>
+          </a:xfrm>
+        </p:spPr>
+        <p:txBody>
+          <a:bodyPr>
+            <a:normAutofit fontScale="90000"/>
+          </a:bodyPr>
+          <a:lstStyle/>
+          <a:p>
+            <a:r>
+              <a:rPr kumimoji="1" lang="ja-JP" altLang="en-US"/>
+              <a:t>サブコマンド</a:t>
+            </a:r>
+            <a:r>
+              <a:rPr kumimoji="1" lang="en-US" altLang="ja-JP" dirty="0"/>
+              <a:t>: </a:t>
+            </a:r>
+            <a:endParaRPr kumimoji="1" lang="ja-JP" altLang="en-US"/>
+          </a:p>
+        </p:txBody>
+      </p:sp>
+      <p:sp>
+        <p:nvSpPr>
+          <p:cNvPr id="3" name="コンテンツ プレースホルダー 2">
+            <a:extLst>
+              <a:ext uri="{FF2B5EF4-FFF2-40B4-BE49-F238E27FC236}">
+                <a16:creationId xmlns:a16="http://schemas.microsoft.com/office/drawing/2014/main" id="{1AA23DDD-77DB-C337-6C1C-8D5CF195AB39}"/>
+              </a:ext>
+            </a:extLst>
+          </p:cNvPr>
+          <p:cNvSpPr>
+            <a:spLocks noGrp="1"/>
+          </p:cNvSpPr>
+          <p:nvPr>
+            <p:ph idx="1"/>
+          </p:nvPr>
+        </p:nvSpPr>
+        <p:spPr>
+          <a:xfrm>
+            <a:off x="628650" y="1284270"/>
+            <a:ext cx="7886700" cy="4892693"/>
+          </a:xfrm>
+        </p:spPr>
+        <p:txBody>
+          <a:bodyPr>
+            <a:normAutofit fontScale="92500" lnSpcReduction="20000"/>
+          </a:bodyPr>
+          <a:lstStyle/>
+          <a:p>
+            <a:pPr marL="514350" indent="-514350">
+              <a:buFont typeface="+mj-lt"/>
+              <a:buAutoNum type="arabicPeriod"/>
+            </a:pPr>
+            <a:r>
+              <a:rPr kumimoji="1" lang="ja-JP" altLang="en-US"/>
+              <a:t>サブコマンド無し</a:t>
+            </a:r>
+            <a:r>
+              <a:rPr lang="en-US" altLang="ja-JP" dirty="0"/>
+              <a:t>: </a:t>
+            </a:r>
+            <a:r>
+              <a:rPr lang="ja-JP" altLang="en-US"/>
+              <a:t>最初の使い方を表示。</a:t>
+            </a:r>
+            <a:endParaRPr lang="en-US" altLang="ja-JP" dirty="0"/>
+          </a:p>
+          <a:p>
+            <a:pPr marL="514350" indent="-514350">
+              <a:buFont typeface="+mj-lt"/>
+              <a:buAutoNum type="arabicPeriod"/>
+            </a:pPr>
+            <a:r>
+              <a:rPr kumimoji="1" lang="en-US" altLang="ja-JP" dirty="0"/>
+              <a:t>--help : </a:t>
+            </a:r>
+            <a:r>
+              <a:rPr kumimoji="1" lang="ja-JP" altLang="en-US"/>
+              <a:t>ヘルプの文面を表示。</a:t>
+            </a:r>
+            <a:endParaRPr kumimoji="1" lang="en-US" altLang="ja-JP" dirty="0"/>
+          </a:p>
+          <a:p>
+            <a:pPr marL="514350" indent="-514350">
+              <a:buFont typeface="+mj-lt"/>
+              <a:buAutoNum type="arabicPeriod"/>
+            </a:pPr>
+            <a:r>
+              <a:rPr kumimoji="1" lang="en-US" altLang="ja-JP" dirty="0" err="1"/>
+              <a:t>crecord</a:t>
+            </a:r>
+            <a:r>
+              <a:rPr kumimoji="1" lang="en-US" altLang="ja-JP" dirty="0"/>
+              <a:t> :  client ID</a:t>
+            </a:r>
+            <a:r>
+              <a:rPr kumimoji="1" lang="ja-JP" altLang="en-US"/>
+              <a:t>と</a:t>
+            </a:r>
+            <a:r>
+              <a:rPr kumimoji="1" lang="en-US" altLang="ja-JP" dirty="0"/>
+              <a:t>client secret</a:t>
+            </a:r>
+            <a:r>
+              <a:rPr kumimoji="1" lang="ja-JP" altLang="en-US"/>
+              <a:t>取得。</a:t>
+            </a:r>
+            <a:endParaRPr kumimoji="1" lang="en-US" altLang="ja-JP" dirty="0"/>
+          </a:p>
+          <a:p>
+            <a:pPr marL="514350" indent="-514350">
+              <a:buFont typeface="+mj-lt"/>
+              <a:buAutoNum type="arabicPeriod"/>
+            </a:pPr>
+            <a:r>
+              <a:rPr kumimoji="1" lang="en-US" altLang="ja-JP" dirty="0"/>
+              <a:t>tokens : </a:t>
+            </a:r>
+            <a:r>
+              <a:rPr lang="en-US" altLang="ja-JP" dirty="0"/>
+              <a:t>refresh token</a:t>
+            </a:r>
+            <a:r>
+              <a:rPr lang="ja-JP" altLang="en-US"/>
+              <a:t>と</a:t>
+            </a:r>
+            <a:r>
+              <a:rPr lang="en-US" altLang="ja-JP" dirty="0"/>
+              <a:t>access token</a:t>
+            </a:r>
+            <a:r>
+              <a:rPr lang="ja-JP" altLang="en-US"/>
+              <a:t>取得。</a:t>
+            </a:r>
+            <a:endParaRPr lang="en-US" altLang="ja-JP" dirty="0"/>
+          </a:p>
+          <a:p>
+            <a:pPr marL="514350" indent="-514350">
+              <a:buFont typeface="+mj-lt"/>
+              <a:buAutoNum type="arabicPeriod"/>
+            </a:pPr>
+            <a:r>
+              <a:rPr kumimoji="1" lang="en-US" altLang="ja-JP" dirty="0" err="1"/>
+              <a:t>fsearch</a:t>
+            </a:r>
+            <a:r>
+              <a:rPr kumimoji="1" lang="en-US" altLang="ja-JP" dirty="0"/>
+              <a:t> : Google</a:t>
+            </a:r>
+            <a:r>
+              <a:rPr lang="en-US" altLang="ja-JP" dirty="0"/>
+              <a:t> Drive</a:t>
+            </a:r>
+            <a:r>
+              <a:rPr kumimoji="1" lang="ja-JP" altLang="en-US"/>
+              <a:t>で</a:t>
+            </a:r>
+            <a:r>
+              <a:rPr kumimoji="1" lang="en-US" altLang="ja-JP" dirty="0"/>
+              <a:t>100</a:t>
+            </a:r>
+            <a:r>
+              <a:rPr lang="ja-JP" altLang="en-US"/>
+              <a:t>個までファイル探索。</a:t>
+            </a:r>
+            <a:endParaRPr lang="en-US" altLang="ja-JP" dirty="0"/>
+          </a:p>
+          <a:p>
+            <a:pPr marL="514350" indent="-514350">
+              <a:buFont typeface="+mj-lt"/>
+              <a:buAutoNum type="arabicPeriod"/>
+            </a:pPr>
+            <a:r>
+              <a:rPr lang="en-US" altLang="ja-JP" dirty="0" err="1"/>
+              <a:t>fsearchall</a:t>
+            </a:r>
+            <a:r>
+              <a:rPr lang="en-US" altLang="ja-JP" dirty="0"/>
+              <a:t> : </a:t>
+            </a:r>
+            <a:r>
+              <a:rPr kumimoji="1" lang="en-US" altLang="ja-JP" dirty="0"/>
+              <a:t>Google</a:t>
+            </a:r>
+            <a:r>
+              <a:rPr lang="en-US" altLang="ja-JP" dirty="0"/>
+              <a:t> Drive</a:t>
+            </a:r>
+            <a:r>
+              <a:rPr lang="ja-JP" altLang="en-US"/>
+              <a:t>ファイルの全一覧の取得。</a:t>
+            </a:r>
+            <a:endParaRPr lang="en-US" altLang="ja-JP" dirty="0"/>
+          </a:p>
+          <a:p>
+            <a:pPr marL="514350" indent="-514350">
+              <a:buFont typeface="+mj-lt"/>
+              <a:buAutoNum type="arabicPeriod"/>
+            </a:pPr>
+            <a:r>
+              <a:rPr kumimoji="1" lang="en-US" altLang="ja-JP" dirty="0"/>
+              <a:t>upload : PC (=local)</a:t>
+            </a:r>
+            <a:r>
+              <a:rPr kumimoji="1" lang="ja-JP" altLang="en-US"/>
+              <a:t>のファイルを指定フォルダに。</a:t>
+            </a:r>
+            <a:endParaRPr kumimoji="1" lang="en-US" altLang="ja-JP" dirty="0"/>
+          </a:p>
+          <a:p>
+            <a:pPr marL="514350" indent="-514350">
+              <a:buFont typeface="+mj-lt"/>
+              <a:buAutoNum type="arabicPeriod"/>
+            </a:pPr>
+            <a:r>
+              <a:rPr lang="en-US" altLang="ja-JP" dirty="0"/>
+              <a:t>download : </a:t>
+            </a:r>
+            <a:r>
+              <a:rPr kumimoji="1" lang="en-US" altLang="ja-JP" dirty="0"/>
+              <a:t>Google</a:t>
+            </a:r>
+            <a:r>
+              <a:rPr lang="en-US" altLang="ja-JP" dirty="0"/>
+              <a:t> Drive</a:t>
+            </a:r>
+            <a:r>
+              <a:rPr lang="ja-JP" altLang="en-US"/>
+              <a:t>のファイルを</a:t>
+            </a:r>
+            <a:r>
+              <a:rPr lang="en-US" altLang="ja-JP" dirty="0"/>
+              <a:t>PC</a:t>
+            </a:r>
+            <a:r>
+              <a:rPr lang="ja-JP" altLang="en-US"/>
+              <a:t>に。</a:t>
+            </a:r>
+            <a:endParaRPr lang="en-US" altLang="ja-JP" dirty="0"/>
+          </a:p>
+          <a:p>
+            <a:pPr marL="514350" indent="-514350">
+              <a:buFont typeface="+mj-lt"/>
+              <a:buAutoNum type="arabicPeriod"/>
+            </a:pPr>
+            <a:r>
+              <a:rPr lang="en-US" altLang="ja-JP" dirty="0"/>
+              <a:t>update : </a:t>
+            </a:r>
+            <a:r>
+              <a:rPr lang="ja-JP" altLang="en-US"/>
+              <a:t> </a:t>
+            </a:r>
+            <a:r>
+              <a:rPr lang="en-US" altLang="ja-JP" dirty="0"/>
+              <a:t>Google Drive</a:t>
+            </a:r>
+            <a:r>
+              <a:rPr lang="ja-JP" altLang="en-US"/>
+              <a:t>のファイルを更新。</a:t>
+            </a:r>
+            <a:endParaRPr lang="en-US" altLang="ja-JP" dirty="0"/>
+          </a:p>
+          <a:p>
+            <a:pPr marL="514350" indent="-514350">
+              <a:buFont typeface="+mj-lt"/>
+              <a:buAutoNum type="arabicPeriod"/>
+            </a:pPr>
+            <a:r>
+              <a:rPr lang="en-US" altLang="ja-JP" dirty="0"/>
+              <a:t>upload5 : upload</a:t>
+            </a:r>
+            <a:r>
+              <a:rPr lang="ja-JP" altLang="en-US"/>
+              <a:t>して識別情報も取得。</a:t>
+            </a:r>
+            <a:endParaRPr lang="en-US" altLang="ja-JP" dirty="0"/>
+          </a:p>
+          <a:p>
+            <a:pPr marL="514350" indent="-514350">
+              <a:buFont typeface="+mj-lt"/>
+              <a:buAutoNum type="arabicPeriod"/>
+            </a:pPr>
+            <a:r>
+              <a:rPr lang="en-US" altLang="ja-JP" dirty="0"/>
+              <a:t>download5 : </a:t>
+            </a:r>
+            <a:r>
+              <a:rPr lang="ja-JP" altLang="en-US"/>
+              <a:t>識別情報を元に</a:t>
+            </a:r>
+            <a:r>
+              <a:rPr lang="en-US" altLang="ja-JP" dirty="0"/>
+              <a:t>download</a:t>
+            </a:r>
+            <a:r>
+              <a:rPr lang="ja-JP" altLang="en-US"/>
+              <a:t>。</a:t>
+            </a:r>
+            <a:endParaRPr lang="en-US" altLang="ja-JP" dirty="0"/>
+          </a:p>
+          <a:p>
+            <a:pPr marL="514350" indent="-514350">
+              <a:buFont typeface="+mj-lt"/>
+              <a:buAutoNum type="arabicPeriod"/>
+            </a:pPr>
+            <a:r>
+              <a:rPr lang="en-US" altLang="ja-JP" dirty="0"/>
+              <a:t>sync5 : PC</a:t>
+            </a:r>
+            <a:r>
+              <a:rPr lang="ja-JP" altLang="en-US"/>
+              <a:t>の</a:t>
+            </a:r>
+            <a:r>
+              <a:rPr lang="en-US" altLang="ja-JP" dirty="0"/>
+              <a:t>2</a:t>
+            </a:r>
+            <a:r>
+              <a:rPr lang="ja-JP" altLang="en-US"/>
+              <a:t>個の</a:t>
+            </a:r>
+            <a:r>
+              <a:rPr lang="en-US" altLang="ja-JP" dirty="0"/>
+              <a:t>folder</a:t>
+            </a:r>
+            <a:r>
+              <a:rPr lang="ja-JP" altLang="en-US"/>
+              <a:t>に違いがあれば</a:t>
+            </a:r>
+            <a:r>
+              <a:rPr lang="en-US" altLang="ja-JP" dirty="0"/>
+              <a:t>upload</a:t>
+            </a:r>
+            <a:r>
+              <a:rPr lang="ja-JP" altLang="en-US"/>
+              <a:t>。</a:t>
+            </a:r>
+            <a:endParaRPr lang="en-US" altLang="ja-JP" dirty="0"/>
+          </a:p>
+          <a:p>
+            <a:pPr marL="514350" indent="-514350">
+              <a:buFont typeface="+mj-lt"/>
+              <a:buAutoNum type="arabicPeriod"/>
+            </a:pPr>
+            <a:endParaRPr kumimoji="1" lang="ja-JP" altLang="en-US"/>
+          </a:p>
+        </p:txBody>
+      </p:sp>
+    </p:spTree>
+    <p:extLst>
+      <p:ext uri="{BB962C8B-B14F-4D97-AF65-F5344CB8AC3E}">
+        <p14:creationId xmlns:p14="http://schemas.microsoft.com/office/powerpoint/2010/main" val="734645888"/>
+      </p:ext>
+    </p:extLst>
+  </p:cSld>
+  <p:clrMapOvr>
+    <a:masterClrMapping/>
+  </p:clrMapOvr>
+</p:sld>
+</file>
+
+<file path=ppt/slides/slide5.xml><?xml version="1.0" encoding="utf-8"?>
+<p:sld xmlns:a="http://schemas.openxmlformats.org/drawingml/2006/main" xmlns:r="http://schemas.openxmlformats.org/officeDocument/2006/relationships" xmlns:p="http://schemas.openxmlformats.org/presentationml/2006/main">
+  <p:cSld>
+    <p:spTree>
+      <p:nvGrpSpPr>
+        <p:cNvPr id="1" name=""/>
+        <p:cNvGrpSpPr/>
+        <p:nvPr/>
+      </p:nvGrpSpPr>
+      <p:grpSpPr>
+        <a:xfrm>
+          <a:off x="0" y="0"/>
+          <a:ext cx="0" cy="0"/>
+          <a:chOff x="0" y="0"/>
+          <a:chExt cx="0" cy="0"/>
+        </a:xfrm>
+      </p:grpSpPr>
+      <p:sp>
+        <p:nvSpPr>
+          <p:cNvPr id="2" name="タイトル 1">
+            <a:extLst>
+              <a:ext uri="{FF2B5EF4-FFF2-40B4-BE49-F238E27FC236}">
                 <a16:creationId xmlns:a16="http://schemas.microsoft.com/office/drawing/2014/main" id="{95468802-2C57-2AD8-90AA-B8927D2DBEF5}"/>
               </a:ext>
             </a:extLst>
@@ -4092,7 +4293,12 @@
             <p:ph type="title"/>
           </p:nvPr>
         </p:nvSpPr>
-        <p:spPr/>
+        <p:spPr>
+          <a:xfrm>
+            <a:off x="628650" y="365127"/>
+            <a:ext cx="7886700" cy="908870"/>
+          </a:xfrm>
+        </p:spPr>
         <p:txBody>
           <a:bodyPr>
             <a:normAutofit/>
@@ -4127,11 +4333,111 @@
             <p:ph idx="1"/>
           </p:nvPr>
         </p:nvSpPr>
-        <p:spPr/>
-        <p:txBody>
-          <a:bodyPr/>
-          <a:lstStyle/>
-          <a:p>
+        <p:spPr>
+          <a:xfrm>
+            <a:off x="628650" y="1417834"/>
+            <a:ext cx="7886700" cy="4759129"/>
+          </a:xfrm>
+        </p:spPr>
+        <p:txBody>
+          <a:bodyPr>
+            <a:normAutofit/>
+          </a:bodyPr>
+          <a:lstStyle/>
+          <a:p>
+            <a:r>
+              <a:rPr kumimoji="1" lang="ja-JP" altLang="en-US"/>
+              <a:t>それぞれ開発した機能をまとめると便利</a:t>
+            </a:r>
+            <a:r>
+              <a:rPr kumimoji="1" lang="en-US" altLang="ja-JP" dirty="0"/>
+              <a:t> : </a:t>
+            </a:r>
+          </a:p>
+          <a:p>
+            <a:pPr lvl="1"/>
+            <a:r>
+              <a:rPr lang="ja-JP" altLang="en-US"/>
+              <a:t>あるプロダクトの他の機能から分離する方が良い。</a:t>
+            </a:r>
+            <a:endParaRPr lang="en-US" altLang="ja-JP" dirty="0"/>
+          </a:p>
+          <a:p>
+            <a:pPr lvl="1"/>
+            <a:r>
+              <a:rPr kumimoji="1" lang="ja-JP" altLang="en-US"/>
+              <a:t>複数のプロダクトで、機能を実装するのは無駄。</a:t>
+            </a:r>
+            <a:endParaRPr kumimoji="1" lang="en-US" altLang="ja-JP" dirty="0"/>
+          </a:p>
+          <a:p>
+            <a:pPr lvl="1"/>
+            <a:r>
+              <a:rPr lang="ja-JP" altLang="en-US"/>
+              <a:t>集約して、機能改良を積み上げた方が良い。</a:t>
+            </a:r>
+            <a:endParaRPr lang="en-US" altLang="ja-JP" dirty="0"/>
+          </a:p>
+          <a:p>
+            <a:pPr lvl="1"/>
+            <a:r>
+              <a:rPr lang="ja-JP" altLang="en-US"/>
+              <a:t>再利用性が高まる。</a:t>
+            </a:r>
+            <a:endParaRPr lang="en-US" altLang="ja-JP" dirty="0"/>
+          </a:p>
+          <a:p>
+            <a:pPr lvl="1"/>
+            <a:r>
+              <a:rPr lang="ja-JP" altLang="en-US"/>
+              <a:t>汎用性も高まる。</a:t>
+            </a:r>
+            <a:endParaRPr lang="en-US" altLang="ja-JP" dirty="0"/>
+          </a:p>
+          <a:p>
+            <a:r>
+              <a:rPr kumimoji="1" lang="ja-JP" altLang="en-US"/>
+              <a:t>サブコマンド方式にした訳</a:t>
+            </a:r>
+            <a:r>
+              <a:rPr lang="en-US" altLang="ja-JP" dirty="0"/>
+              <a:t>: </a:t>
+            </a:r>
+          </a:p>
+          <a:p>
+            <a:pPr lvl="1"/>
+            <a:r>
+              <a:rPr lang="ja-JP" altLang="en-US"/>
+              <a:t>関連した機能を持つので、ひとつのコマンドの下にまとめた方が、機能の整理もしやすい。</a:t>
+            </a:r>
+            <a:endParaRPr lang="en-US" altLang="ja-JP" dirty="0"/>
+          </a:p>
+          <a:p>
+            <a:pPr lvl="2"/>
+            <a:r>
+              <a:rPr lang="ja-JP" altLang="en-US"/>
+              <a:t>関連した機能が依存関係にある場合、特にそうである。</a:t>
+            </a:r>
+            <a:endParaRPr lang="en-US" altLang="ja-JP" dirty="0"/>
+          </a:p>
+          <a:p>
+            <a:pPr lvl="1"/>
+            <a:r>
+              <a:rPr kumimoji="1" lang="ja-JP" altLang="en-US"/>
+              <a:t>逆にバラバラのままだと、面倒。</a:t>
+            </a:r>
+            <a:endParaRPr kumimoji="1" lang="en-US" altLang="ja-JP" dirty="0"/>
+          </a:p>
+          <a:p>
+            <a:pPr lvl="2"/>
+            <a:r>
+              <a:rPr lang="ja-JP" altLang="en-US"/>
+              <a:t>コマンド名やモジュール名も無理が生じやすい。</a:t>
+            </a:r>
+            <a:endParaRPr lang="en-US" altLang="ja-JP" dirty="0"/>
+          </a:p>
+          <a:p>
+            <a:pPr lvl="2"/>
             <a:endParaRPr kumimoji="1" lang="ja-JP" altLang="en-US"/>
           </a:p>
         </p:txBody>
@@ -4140,6 +4446,114 @@
     <p:extLst>
       <p:ext uri="{BB962C8B-B14F-4D97-AF65-F5344CB8AC3E}">
         <p14:creationId xmlns:p14="http://schemas.microsoft.com/office/powerpoint/2010/main" val="3095550407"/>
+      </p:ext>
+    </p:extLst>
+  </p:cSld>
+  <p:clrMapOvr>
+    <a:masterClrMapping/>
+  </p:clrMapOvr>
+</p:sld>
+</file>
+
+<file path=ppt/slides/slide6.xml><?xml version="1.0" encoding="utf-8"?>
+<p:sld xmlns:a="http://schemas.openxmlformats.org/drawingml/2006/main" xmlns:r="http://schemas.openxmlformats.org/officeDocument/2006/relationships" xmlns:p="http://schemas.openxmlformats.org/presentationml/2006/main">
+  <p:cSld>
+    <p:spTree>
+      <p:nvGrpSpPr>
+        <p:cNvPr id="1" name=""/>
+        <p:cNvGrpSpPr/>
+        <p:nvPr/>
+      </p:nvGrpSpPr>
+      <p:grpSpPr>
+        <a:xfrm>
+          <a:off x="0" y="0"/>
+          <a:ext cx="0" cy="0"/>
+          <a:chOff x="0" y="0"/>
+          <a:chExt cx="0" cy="0"/>
+        </a:xfrm>
+      </p:grpSpPr>
+      <p:sp>
+        <p:nvSpPr>
+          <p:cNvPr id="2" name="タイトル 1">
+            <a:extLst>
+              <a:ext uri="{FF2B5EF4-FFF2-40B4-BE49-F238E27FC236}">
+                <a16:creationId xmlns:a16="http://schemas.microsoft.com/office/drawing/2014/main" id="{5028C629-3E22-AC0F-BC57-192FC9A3B448}"/>
+              </a:ext>
+            </a:extLst>
+          </p:cNvPr>
+          <p:cNvSpPr>
+            <a:spLocks noGrp="1"/>
+          </p:cNvSpPr>
+          <p:nvPr>
+            <p:ph type="title"/>
+          </p:nvPr>
+        </p:nvSpPr>
+        <p:spPr>
+          <a:xfrm>
+            <a:off x="628650" y="365126"/>
+            <a:ext cx="7886700" cy="878047"/>
+          </a:xfrm>
+        </p:spPr>
+        <p:txBody>
+          <a:bodyPr>
+            <a:normAutofit/>
+          </a:bodyPr>
+          <a:lstStyle/>
+          <a:p>
+            <a:r>
+              <a:rPr kumimoji="1" lang="ja-JP" altLang="en-US" sz="4000"/>
+              <a:t>利用には</a:t>
+            </a:r>
+            <a:r>
+              <a:rPr kumimoji="1" lang="en-US" altLang="ja-JP" sz="4000" dirty="0"/>
+              <a:t>OAuth</a:t>
+            </a:r>
+            <a:r>
+              <a:rPr lang="ja-JP" altLang="en-US" sz="4000"/>
+              <a:t>認証の理解が必要</a:t>
+            </a:r>
+            <a:endParaRPr kumimoji="1" lang="ja-JP" altLang="en-US" sz="4000"/>
+          </a:p>
+        </p:txBody>
+      </p:sp>
+      <p:sp>
+        <p:nvSpPr>
+          <p:cNvPr id="3" name="コンテンツ プレースホルダー 2">
+            <a:extLst>
+              <a:ext uri="{FF2B5EF4-FFF2-40B4-BE49-F238E27FC236}">
+                <a16:creationId xmlns:a16="http://schemas.microsoft.com/office/drawing/2014/main" id="{545D0046-E856-1E07-3DF8-2C4348A0812B}"/>
+              </a:ext>
+            </a:extLst>
+          </p:cNvPr>
+          <p:cNvSpPr>
+            <a:spLocks noGrp="1"/>
+          </p:cNvSpPr>
+          <p:nvPr>
+            <p:ph idx="1"/>
+          </p:nvPr>
+        </p:nvSpPr>
+        <p:spPr>
+          <a:xfrm>
+            <a:off x="628650" y="1335640"/>
+            <a:ext cx="7886700" cy="4841323"/>
+          </a:xfrm>
+        </p:spPr>
+        <p:txBody>
+          <a:bodyPr/>
+          <a:lstStyle/>
+          <a:p>
+            <a:r>
+              <a:rPr kumimoji="1" lang="en-US" altLang="ja-JP" dirty="0"/>
+              <a:t>Client id </a:t>
+            </a:r>
+            <a:endParaRPr kumimoji="1" lang="ja-JP" altLang="en-US"/>
+          </a:p>
+        </p:txBody>
+      </p:sp>
+    </p:spTree>
+    <p:extLst>
+      <p:ext uri="{BB962C8B-B14F-4D97-AF65-F5344CB8AC3E}">
+        <p14:creationId xmlns:p14="http://schemas.microsoft.com/office/powerpoint/2010/main" val="3834130638"/>
       </p:ext>
     </p:extLst>
   </p:cSld>
